--- a/传感器作业/汇报.pptx
+++ b/传感器作业/汇报.pptx
@@ -151,20 +151,20 @@
         <p14:section name="无标题节" id="{aaf85f3b-628b-418a-ab19-c9daa507b00a}">
           <p14:sldIdLst>
             <p14:sldId id="418"/>
+            <p14:sldId id="436"/>
+            <p14:sldId id="437"/>
+            <p14:sldId id="431"/>
+            <p14:sldId id="430"/>
             <p14:sldId id="420"/>
-            <p14:sldId id="430"/>
-            <p14:sldId id="436"/>
-            <p14:sldId id="431"/>
-            <p14:sldId id="437"/>
           </p14:sldIdLst>
         </p14:section>
         <p14:section name="无标题节" id="{24109b10-9076-4cae-8e32-f58030bf9419}">
           <p14:sldIdLst>
             <p14:sldId id="419"/>
+            <p14:sldId id="444"/>
+            <p14:sldId id="445"/>
             <p14:sldId id="439"/>
             <p14:sldId id="438"/>
-            <p14:sldId id="444"/>
-            <p14:sldId id="445"/>
           </p14:sldIdLst>
         </p14:section>
         <p14:section name="无标题节" id="{0f074643-4dde-41c3-8310-eb5229be17be}">
@@ -706,8 +706,48 @@
           <a:bodyPr/>
           <a:p>
             <a:r>
+              <a:rPr lang="en-US" altLang="zh-CN"/>
+              <a:t>p(a)</a:t>
+            </a:r>
+            <a:r>
               <a:rPr lang="zh-CN" altLang="en-US"/>
-              <a:t>量化之后，每个设备最终会独立地得到一个密钥字符串。然而，由于噪声可能会有一些不匹配，我们经常得到KAlice KBob。和解的目的是纠正Alice和Bob之间的比特不匹配。在本系统中，我们采用了纠错码(error correction code, ECC) [Clark and Cain 2013]来降低比特失配率。在最近的一个安全配对系统中也使用了ECC方法</a:t>
+              <a:t>是在一个</a:t>
+            </a:r>
+            <a:r>
+              <a:rPr lang="en-US" altLang="zh-CN"/>
+              <a:t>W</a:t>
+            </a:r>
+            <a:r>
+              <a:rPr lang="zh-CN" altLang="en-US"/>
+              <a:t>中，样本</a:t>
+            </a:r>
+            <a:r>
+              <a:rPr lang="en-US" altLang="zh-CN"/>
+              <a:t>a</a:t>
+            </a:r>
+            <a:r>
+              <a:rPr lang="zh-CN" altLang="en-US"/>
+              <a:t>出现的概率</a:t>
+            </a:r>
+            <a:endParaRPr lang="zh-CN" altLang="en-US"/>
+          </a:p>
+          <a:p>
+            <a:endParaRPr lang="zh-CN" altLang="en-US"/>
+          </a:p>
+          <a:p>
+            <a:r>
+              <a:rPr lang="zh-CN" altLang="en-US"/>
+              <a:t>保护带被插入到两个连续的级之间，以增加比特一致率。在量化过程中，保护带样本被排除在外，剩余的样本根据它们的级数被编码为位</a:t>
+            </a:r>
+            <a:endParaRPr lang="zh-CN" altLang="en-US"/>
+          </a:p>
+          <a:p>
+            <a:endParaRPr lang="zh-CN" altLang="en-US"/>
+          </a:p>
+          <a:p>
+            <a:r>
+              <a:rPr lang="zh-CN" altLang="en-US"/>
+              <a:t>类似于单位量化，我们分别对三个方向的加速度值进行量化。从AccG、AccF、AccS中分别提取三个单独的比特流KG、KF、KS，将三个比特流串联在一起，得到Alice的密钥KAlice = [KG, KF, KS]</a:t>
             </a:r>
             <a:endParaRPr lang="zh-CN" altLang="en-US"/>
           </a:p>
@@ -755,17 +795,7 @@
           <a:p>
             <a:r>
               <a:rPr lang="zh-CN" altLang="en-US"/>
-              <a:t>由于Alice和Bob不共享经过身份验证的通道，因此Eve可以在和解过程中模拟为Alice或Bob。这样的攻击将允许伊芙插入她自己的假消息，从而欺骗一个合法的设备，破坏协议，而不暴露他的存在。为了解决这个问题，我们使用了消息认证码(MAC)方法来验证消息没有被修改。具体来说，MAC方法包含以下三个步骤</a:t>
-            </a:r>
-            <a:endParaRPr lang="zh-CN" altLang="en-US"/>
-          </a:p>
-          <a:p>
-            <a:endParaRPr lang="zh-CN" altLang="en-US"/>
-          </a:p>
-          <a:p>
-            <a:r>
-              <a:rPr lang="zh-CN" altLang="en-US"/>
-              <a:t>除了验证消息没有被修改之外，MAC验证还验证Alice和Bob是否生成了相同的密钥</a:t>
+              <a:t>量化之后，每个设备最终会独立地得到一个密钥字符串。然而，由于噪声可能会有一些不匹配，我们经常得到KAlice KBob。和解的目的是纠正Alice和Bob之间的比特不匹配。在本系统中，我们采用了纠错码(error correction code, ECC) [Clark and Cain 2013]来降低比特失配率。在最近的一个安全配对系统中也使用了ECC方法</a:t>
             </a:r>
             <a:endParaRPr lang="zh-CN" altLang="en-US"/>
           </a:p>
@@ -813,28 +843,17 @@
           <a:p>
             <a:r>
               <a:rPr lang="zh-CN" altLang="en-US"/>
-              <a:t>和解过程不仅减少了Alice和Bob之间的不匹配率，而且还向攻击者透露了部分信息，因为δAlice是通过公共通道传输的，可以被攻击者窃听。但是，可以从理论上证明只有(n k)位信息泄漏[Mathur等，2011]。而且，由于密钥来源于用户的独特行走模式，攻击者仍然不能通过窃听δAlice来推断KAlice。为了确保不发生部分信息泄漏，我们可以进一步应用下一节描述的隐私放大技术。</a:t>
+              <a:t>由于Alice和Bob不共享经过身份验证的通道，因此Eve可以在和解过程中模拟为Alice或Bob。这样的攻击将允许伊芙插入她自己的假消息，从而欺骗一个合法的设备，破坏协议，而不暴露他的存在。为了解决这个问题，我们使用了消息认证码(MAC)方法来验证消息没有被修改。具体来说，MAC方法包含以下三个步骤</a:t>
             </a:r>
             <a:endParaRPr lang="zh-CN" altLang="en-US"/>
           </a:p>
           <a:p>
+            <a:endParaRPr lang="zh-CN" altLang="en-US"/>
+          </a:p>
+          <a:p>
             <a:r>
               <a:rPr lang="zh-CN" altLang="en-US"/>
-              <a:t>隐私放大中的异或函数如何有助于增强最终密钥的随机性</a:t>
-            </a:r>
-            <a:endParaRPr lang="zh-CN" altLang="en-US"/>
-          </a:p>
-          <a:p>
-            <a:r>
-              <a:rPr lang="zh-CN" altLang="en-US"/>
-              <a:t>如图所示，我们可以看到，经过异或运算后熵的分布更接近于1，</a:t>
-            </a:r>
-            <a:endParaRPr lang="zh-CN" altLang="en-US"/>
-          </a:p>
-          <a:p>
-            <a:r>
-              <a:rPr lang="zh-CN" altLang="en-US"/>
-              <a:t>我们还注意到，最终密钥的熵值在0.94到1之间变化，这表明该方法能够以良好的熵值提取密钥。</a:t>
+              <a:t>除了验证消息没有被修改之外，MAC验证还验证Alice和Bob是否生成了相同的密钥</a:t>
             </a:r>
             <a:endParaRPr lang="zh-CN" altLang="en-US"/>
           </a:p>
@@ -881,6 +900,75 @@
           <a:bodyPr/>
           <a:p>
             <a:r>
+              <a:rPr lang="zh-CN" altLang="en-US"/>
+              <a:t>和解过程不仅减少了Alice和Bob之间的不匹配率，而且还向攻击者透露了部分信息，因为δAlice是通过公共通道传输的，可以被攻击者窃听。但是，可以从理论上证明只有(n k)位信息泄漏[Mathur等，2011]。而且，由于密钥来源于用户的独特行走模式，攻击者仍然不能通过窃听δAlice来推断KAlice。为了确保不发生部分信息泄漏，我们可以进一步应用下一节描述的隐私放大技术。</a:t>
+            </a:r>
+            <a:endParaRPr lang="zh-CN" altLang="en-US"/>
+          </a:p>
+          <a:p>
+            <a:r>
+              <a:rPr lang="zh-CN" altLang="en-US"/>
+              <a:t>隐私放大中的异或函数如何有助于增强最终密钥的随机性</a:t>
+            </a:r>
+            <a:endParaRPr lang="zh-CN" altLang="en-US"/>
+          </a:p>
+          <a:p>
+            <a:r>
+              <a:rPr lang="zh-CN" altLang="en-US"/>
+              <a:t>如图所示，我们可以看到，经过异或运算后熵的分布更接近于1，</a:t>
+            </a:r>
+            <a:endParaRPr lang="zh-CN" altLang="en-US"/>
+          </a:p>
+          <a:p>
+            <a:r>
+              <a:rPr lang="zh-CN" altLang="en-US"/>
+              <a:t>我们还注意到，最终密钥的熵值在0.94到1之间变化，这表明该方法能够以良好的熵值提取密钥。</a:t>
+            </a:r>
+            <a:endParaRPr lang="zh-CN" altLang="en-US"/>
+          </a:p>
+        </p:txBody>
+      </p:sp>
+    </p:spTree>
+  </p:cSld>
+  <p:clrMapOvr>
+    <a:masterClrMapping/>
+  </p:clrMapOvr>
+</p:notes>
+</file>
+
+<file path=ppt/notesSlides/notesSlide14.xml><?xml version="1.0" encoding="utf-8"?>
+<p:notes xmlns:a="http://schemas.openxmlformats.org/drawingml/2006/main" xmlns:r="http://schemas.openxmlformats.org/officeDocument/2006/relationships" xmlns:p="http://schemas.openxmlformats.org/presentationml/2006/main">
+  <p:cSld>
+    <p:spTree>
+      <p:nvGrpSpPr>
+        <p:cNvPr id="1" name=""/>
+        <p:cNvGrpSpPr/>
+        <p:nvPr/>
+      </p:nvGrpSpPr>
+      <p:grpSpPr/>
+      <p:sp>
+        <p:nvSpPr>
+          <p:cNvPr id="2" name="幻灯片图像占位符 1"/>
+          <p:cNvSpPr/>
+          <p:nvPr>
+            <p:ph type="sldImg" idx="2"/>
+          </p:nvPr>
+        </p:nvSpPr>
+        <p:spPr/>
+      </p:sp>
+      <p:sp>
+        <p:nvSpPr>
+          <p:cNvPr id="3" name="文本占位符 2"/>
+          <p:cNvSpPr/>
+          <p:nvPr>
+            <p:ph type="body" idx="3"/>
+          </p:nvPr>
+        </p:nvSpPr>
+        <p:spPr/>
+        <p:txBody>
+          <a:bodyPr/>
+          <a:p>
+            <a:r>
               <a:rPr lang="zh-CN" altLang="en-US" b="1">
                 <a:sym typeface="+mn-ea"/>
               </a:rPr>
@@ -1139,10 +1227,6 @@
         <p:txBody>
           <a:bodyPr/>
           <a:p>
-            <a:r>
-              <a:rPr lang="zh-CN" altLang="en-US"/>
-              <a:t>图4显示了摆臂行走、不摆臂行走和只摆臂行走的频率。我们注意到，走路信号的主频是摆臂信号的两倍。这很容易理解，因为步态周期是由两个步骤和一个手臂摆动周期。因此，每一步(左或右)都记录为一个强烈的重复性加速信号，并通过足部传递到全身。由于身体的对称性，左右步产生的信号可以认为是相同的。然而，当用户将智能手表戴在一只手腕上时，手臂摆动的信号只会重复每两步。我们利用这个观察来识别来自手臂和脚的摆动信号。具体来说，通过式(2)得到S (t)后，我们对S (t)中的三个ICs(即S (t)的三行)进行快速傅里叶变换(FFT)。图5(d)说明了ICA前后三个方向的加速度信号的大小。我们可以看到，原始加速度数据主要包含两个频率的信号。三种分离的集成电路呈现不同的频率分布。IC-2的频率集中在基频上。如前所述，将矩阵S的第二行设为0即可得到不进行摆臂运动的重构信号(见式(3))</a:t>
-            </a:r>
             <a:endParaRPr lang="zh-CN" altLang="en-US"/>
           </a:p>
         </p:txBody>
@@ -1189,11 +1273,8 @@
           <a:p>
             <a:r>
               <a:rPr lang="zh-CN" altLang="en-US"/>
-              <a:t>由于设备对加速度值的采样是独立的，因此密钥生成需要时间同步。在这项工作中，我们使用了一种基于事件的方法，其中设备检测脚跟撞击事件的时间点，使用这个事件作为锚点。在没有通信的情况下，脚跟撞击事件可以在每个设备上本地检测到，这消除了设备之间显式同步的需要。如左图所示，各个设备都检测局部最大值来识别脚跟撞击事件。</a:t>
-            </a:r>
-            <a:endParaRPr lang="zh-CN" altLang="en-US"/>
-          </a:p>
-          <a:p>
+              <a:t>图4显示了摆臂行走、不摆臂行走和只摆臂行走的频率。我们注意到，走路信号的主频是摆臂信号的两倍。这很容易理解，因为步态周期是由两个步骤和一个手臂摆动周期。因此，每一步(左或右)都记录为一个强烈的重复性加速信号，并通过足部传递到全身。由于身体的对称性，左右步产生的信号可以认为是相同的。然而，当用户将智能手表戴在一只手腕上时，手臂摆动的信号只会重复每两步。我们利用这个观察来识别来自手臂和脚的摆动信号。具体来说，通过式(2)得到S (t)后，我们对S (t)中的三个ICs(即S (t)的三行)进行快速傅里叶变换(FFT)。图5(d)说明了ICA前后三个方向的加速度信号的大小。我们可以看到，原始加速度数据主要包含两个频率的信号。三种分离的集成电路呈现不同的频率分布。IC-2的频率集中在基频上。如前所述，将矩阵S的第二行设为0即可得到不进行摆臂运动的重构信号(见式(3))</a:t>
+            </a:r>
             <a:endParaRPr lang="zh-CN" altLang="en-US"/>
           </a:p>
         </p:txBody>
@@ -1239,22 +1320,8 @@
           <a:bodyPr/>
           <a:p>
             <a:r>
-              <a:rPr lang="zh-CN" altLang="en-US">
-                <a:sym typeface="+mn-ea"/>
-              </a:rPr>
-              <a:t>行走本身就是一种3D运动，在不同位置独立记录的3D加速数据缺乏空间对齐，也不能直接用于生成共享密钥，为了解决这个问题，我们引进了一种独立于方位和位置的公共物体参考坐标系。</a:t>
-            </a:r>
-            <a:endParaRPr lang="zh-CN" altLang="en-US"/>
-          </a:p>
-          <a:p>
-            <a:endParaRPr lang="zh-CN" altLang="en-US"/>
-          </a:p>
-          <a:p>
-            <a:r>
-              <a:rPr lang="zh-CN" altLang="en-US">
-                <a:sym typeface="+mn-ea"/>
-              </a:rPr>
-              <a:t>右图给出了世界坐标系、物体参考坐标系和不同设备坐标系的定义。世界坐标系定义为北、东、向下或重力方向(G)，我们称设备的局部坐标系为(X, Y, Z)。用户的运动平面定义为与重力垂直的前进侧平面。侧面指向右侧用户的前进方向。</a:t>
+              <a:rPr lang="zh-CN" altLang="en-US"/>
+              <a:t>由于设备对加速度值的采样是独立的，因此密钥生成需要时间同步。在这项工作中，我们使用了一种基于事件的方法，其中设备检测脚跟撞击事件的时间点，使用这个事件作为锚点。在没有通信的情况下，脚跟撞击事件可以在每个设备上本地检测到，这消除了设备之间显式同步的需要。如左图所示，各个设备都检测局部最大值来识别脚跟撞击事件。</a:t>
             </a:r>
             <a:endParaRPr lang="zh-CN" altLang="en-US"/>
           </a:p>
@@ -1304,28 +1371,10 @@
           <a:bodyPr/>
           <a:p>
             <a:r>
-              <a:rPr lang="en-US" altLang="zh-CN"/>
-              <a:t>p(a)</a:t>
-            </a:r>
-            <a:r>
-              <a:rPr lang="zh-CN" altLang="en-US"/>
-              <a:t>是在一个</a:t>
-            </a:r>
-            <a:r>
-              <a:rPr lang="en-US" altLang="zh-CN"/>
-              <a:t>W</a:t>
-            </a:r>
-            <a:r>
-              <a:rPr lang="zh-CN" altLang="en-US"/>
-              <a:t>中，样本</a:t>
-            </a:r>
-            <a:r>
-              <a:rPr lang="en-US" altLang="zh-CN"/>
-              <a:t>a</a:t>
-            </a:r>
-            <a:r>
-              <a:rPr lang="zh-CN" altLang="en-US"/>
-              <a:t>出现的概率</a:t>
+              <a:rPr lang="zh-CN" altLang="en-US">
+                <a:sym typeface="+mn-ea"/>
+              </a:rPr>
+              <a:t>行走本身就是一种3D运动，在不同位置独立记录的3D加速数据缺乏空间对齐，也不能直接用于生成共享密钥，为了解决这个问题，我们引进了一种独立于方位和位置的公共物体参考坐标系。</a:t>
             </a:r>
             <a:endParaRPr lang="zh-CN" altLang="en-US"/>
           </a:p>
@@ -1334,19 +1383,14 @@
           </a:p>
           <a:p>
             <a:r>
-              <a:rPr lang="zh-CN" altLang="en-US"/>
-              <a:t>保护带被插入到两个连续的级之间，以增加比特一致率。在量化过程中，保护带样本被排除在外，剩余的样本根据它们的级数被编码为位</a:t>
+              <a:rPr lang="zh-CN" altLang="en-US">
+                <a:sym typeface="+mn-ea"/>
+              </a:rPr>
+              <a:t>右图给出了世界坐标系、物体参考坐标系和不同设备坐标系的定义。世界坐标系定义为北、东、向下或重力方向(G)，我们称设备的局部坐标系为(X, Y, Z)。用户的运动平面定义为与重力垂直的前进侧平面。侧面指向右侧用户的前进方向。</a:t>
             </a:r>
             <a:endParaRPr lang="zh-CN" altLang="en-US"/>
           </a:p>
           <a:p>
-            <a:endParaRPr lang="zh-CN" altLang="en-US"/>
-          </a:p>
-          <a:p>
-            <a:r>
-              <a:rPr lang="zh-CN" altLang="en-US"/>
-              <a:t>类似于单位量化，我们分别对三个方向的加速度值进行量化。从AccG、AccF、AccS中分别提取三个单独的比特流KG、KF、KS，将三个比特流串联在一起，得到Alice的密钥KAlice = [KG, KF, KS]</a:t>
-            </a:r>
             <a:endParaRPr lang="zh-CN" altLang="en-US"/>
           </a:p>
         </p:txBody>
@@ -6900,7 +6944,25 @@
                 <a:ea typeface="楷体" panose="02010609060101010101" charset="-122"/>
                 <a:cs typeface="楷体" panose="02010609060101010101" charset="-122"/>
               </a:rPr>
-              <a:t>在系统中，我们使用位异或函数来组合各个方向</a:t>
+              <a:t>在系统中，我们使用</a:t>
+            </a:r>
+            <a:r>
+              <a:rPr lang="zh-CN" altLang="en-US" sz="2400" b="1">
+                <a:uFillTx/>
+                <a:latin typeface="Times New Roman" panose="02020603050405020304" charset="0"/>
+                <a:ea typeface="楷体" panose="02010609060101010101" charset="-122"/>
+                <a:cs typeface="楷体" panose="02010609060101010101" charset="-122"/>
+              </a:rPr>
+              <a:t>位异或函数</a:t>
+            </a:r>
+            <a:r>
+              <a:rPr lang="zh-CN" altLang="en-US" sz="2400">
+                <a:uFillTx/>
+                <a:latin typeface="Times New Roman" panose="02020603050405020304" charset="0"/>
+                <a:ea typeface="楷体" panose="02010609060101010101" charset="-122"/>
+                <a:cs typeface="楷体" panose="02010609060101010101" charset="-122"/>
+              </a:rPr>
+              <a:t>来组合各个方向</a:t>
             </a:r>
             <a:endParaRPr lang="zh-CN" altLang="en-US" sz="2400">
               <a:uFillTx/>
@@ -8142,8 +8204,8 @@
         </p:nvSpPr>
         <p:spPr>
           <a:xfrm>
-            <a:off x="412115" y="1106170"/>
-            <a:ext cx="11367135" cy="5384800"/>
+            <a:off x="446405" y="1214755"/>
+            <a:ext cx="11299825" cy="5384800"/>
           </a:xfrm>
           <a:prstGeom prst="rect">
             <a:avLst/>
@@ -8294,7 +8356,7 @@
                 <a:cs typeface="楷体" panose="02010609060101010101" charset="-122"/>
                 <a:sym typeface="+mn-ea"/>
               </a:rPr>
-              <a:t>对于每个位置，我们附加一个三通道的加速度计量器，因此我们有三个通道的观测，信号主要来自于：手臂摆动和行走。</a:t>
+              <a:t>对于每个位置，我们附加一个三通道的加速度计量器，因此我们有三个通道的观测，信号主要来自于：手臂摆动和行走；</a:t>
             </a:r>
             <a:endParaRPr lang="zh-CN" altLang="en-US" sz="2400">
               <a:solidFill>
@@ -8451,7 +8513,7 @@
                 <a:ea typeface="楷体" panose="02010609060101010101" charset="-122"/>
                 <a:cs typeface="楷体" panose="02010609060101010101" charset="-122"/>
               </a:rPr>
-              <a:t>）信号通过身体传输的时间延迟是可以忽略的</a:t>
+              <a:t>）信号通过身体传输的时间延迟是可以忽略的；</a:t>
             </a:r>
             <a:endParaRPr lang="zh-CN" altLang="en-US" sz="2400">
               <a:solidFill>
@@ -8498,7 +8560,7 @@
                 <a:ea typeface="楷体" panose="02010609060101010101" charset="-122"/>
                 <a:cs typeface="楷体" panose="02010609060101010101" charset="-122"/>
               </a:rPr>
-              <a:t>）身体运动产生的加速度值的统计分布不是高斯分布</a:t>
+              <a:t>）身体运动产生的加速度值的统计分布不是高斯分布；</a:t>
             </a:r>
             <a:endParaRPr lang="zh-CN" altLang="en-US" sz="2400">
               <a:solidFill>
